--- a/Later/Exception/Exception_61/Java Exception Handling-Java Exception Handling Best Practices_Part5.pptx
+++ b/Later/Exception/Exception_61/Java Exception Handling-Java Exception Handling Best Practices_Part5.pptx
@@ -3978,7 +3978,7 @@
         <p:spPr>
           <a:xfrm>
             <a:off x="2159072" y="609600"/>
-            <a:ext cx="4883003" cy="276999"/>
+            <a:ext cx="4644156" cy="276999"/>
           </a:xfrm>
           <a:prstGeom prst="rect">
             <a:avLst/>
@@ -4005,8 +4005,12 @@
           <a:lstStyle/>
           <a:p>
             <a:r>
+              <a:rPr lang="en-US" sz="1200" dirty="0" smtClean="0"/>
+              <a:t>Always </a:t>
+            </a:r>
+            <a:r>
               <a:rPr lang="en-US" sz="1200" dirty="0"/>
-              <a:t>16) Always include all information about an exception in single log message</a:t>
+              <a:t>include all information about an exception in single log message</a:t>
             </a:r>
           </a:p>
         </p:txBody>
@@ -4051,7 +4055,6 @@
               <a:rPr lang="en-US" sz="1200" dirty="0"/>
               <a:t>Using a multi-line log message with multiple calls to LOGGER.debug() may look fine in your test case, but when it shows up in the log file of an app server with 400 threads running in parallel, all dumping information to the same log file, your two log messages may end up spaced out 1000 lines apart in the log file, even though they occur on subsequent lines in your code.</a:t>
             </a:r>
-            <a:endParaRPr lang="en-US" sz="1200" dirty="0"/>
           </a:p>
         </p:txBody>
       </p:sp>
@@ -4136,7 +4139,6 @@
               <a:rPr lang="en-US" sz="1200" dirty="0"/>
               <a:t>Do it like this:</a:t>
             </a:r>
-            <a:endParaRPr lang="en-US" sz="1200" dirty="0"/>
           </a:p>
         </p:txBody>
       </p:sp>
@@ -4338,7 +4340,7 @@
         <p:spPr>
           <a:xfrm>
             <a:off x="2133600" y="980297"/>
-            <a:ext cx="5998950" cy="276999"/>
+            <a:ext cx="5760103" cy="276999"/>
           </a:xfrm>
           <a:prstGeom prst="rect">
             <a:avLst/>
@@ -4365,8 +4367,12 @@
           <a:lstStyle/>
           <a:p>
             <a:r>
+              <a:rPr lang="en-US" sz="1200" dirty="0" smtClean="0"/>
+              <a:t>Pass </a:t>
+            </a:r>
+            <a:r>
               <a:rPr lang="en-US" sz="1200" dirty="0"/>
-              <a:t>17) Pass all relevant information to exceptions to make them informative as much as possible</a:t>
+              <a:t>all relevant information to exceptions to make them informative as much as possible</a:t>
             </a:r>
           </a:p>
         </p:txBody>
@@ -4411,7 +4417,6 @@
               <a:rPr lang="en-US" sz="1200" dirty="0"/>
               <a:t>This is also very important to make exception messages and stack traces useful and informative. What is the use of a log, if you are not able to determine anything out of it. These type of logs just exist in your code for decoration purpose.</a:t>
             </a:r>
-            <a:endParaRPr lang="en-US" sz="1200" dirty="0"/>
           </a:p>
         </p:txBody>
       </p:sp>
@@ -4512,7 +4517,7 @@
         <p:spPr>
           <a:xfrm>
             <a:off x="2729078" y="435824"/>
-            <a:ext cx="3609643" cy="276999"/>
+            <a:ext cx="3449342" cy="276999"/>
           </a:xfrm>
           <a:prstGeom prst="rect">
             <a:avLst/>
@@ -4539,8 +4544,12 @@
           <a:lstStyle/>
           <a:p>
             <a:r>
+              <a:rPr lang="en-US" sz="1200" dirty="0" smtClean="0"/>
+              <a:t>Always </a:t>
+            </a:r>
+            <a:r>
               <a:rPr lang="en-US" sz="1200" dirty="0"/>
-              <a:t>18) Always terminate the thread which it is interrupted</a:t>
+              <a:t>terminate the thread which it is interrupted</a:t>
             </a:r>
           </a:p>
         </p:txBody>
@@ -4585,7 +4594,6 @@
               <a:rPr lang="en-US" sz="1200" dirty="0"/>
               <a:t>InterruptedException is a clue to your code that it should stop whatever it’s doing. Some common use cases for a thread getting interrupted are the active transaction timing out, or a thread pool getting shut down. Instead of ignoring the InterruptedException, your code should do its best to finish up what it’s doing, and finish the current thread of execution. So to correct the example above:</a:t>
             </a:r>
-            <a:endParaRPr lang="en-US" sz="1200" dirty="0"/>
           </a:p>
         </p:txBody>
       </p:sp>
@@ -4652,15 +4660,7 @@
           <a:p>
             <a:r>
               <a:rPr lang="en-US" sz="800" dirty="0"/>
-              <a:t>    </a:t>
-            </a:r>
-            <a:r>
-              <a:rPr lang="en-US" sz="800" dirty="0"/>
-              <a:t>Thread.sleep</a:t>
-            </a:r>
-            <a:r>
-              <a:rPr lang="en-US" sz="800" dirty="0"/>
-              <a:t>(100000);</a:t>
+              <a:t>    Thread.sleep(100000);</a:t>
             </a:r>
           </a:p>
           <a:p>
@@ -4772,15 +4772,7 @@
           <a:p>
             <a:r>
               <a:rPr lang="en-US" sz="800" dirty="0"/>
-              <a:t>    </a:t>
-            </a:r>
-            <a:r>
-              <a:rPr lang="en-US" sz="800" dirty="0"/>
-              <a:t>Thread.sleep</a:t>
-            </a:r>
-            <a:r>
-              <a:rPr lang="en-US" sz="800" dirty="0"/>
-              <a:t>(100000);</a:t>
+              <a:t>    Thread.sleep(100000);</a:t>
             </a:r>
           </a:p>
           <a:p>
@@ -4833,11 +4825,7 @@
           <a:p>
             <a:r>
               <a:rPr lang="en-US" sz="800" dirty="0" smtClean="0"/>
-              <a:t> </a:t>
-            </a:r>
-            <a:r>
-              <a:rPr lang="en-US" sz="800" dirty="0" smtClean="0"/>
-              <a:t>doSomethingCool</a:t>
+              <a:t> doSomethingCool</a:t>
             </a:r>
             <a:r>
               <a:rPr lang="en-US" sz="800" dirty="0"/>
@@ -4949,7 +4937,7 @@
         <p:spPr>
           <a:xfrm>
             <a:off x="2828925" y="375850"/>
-            <a:ext cx="3249544" cy="276999"/>
+            <a:ext cx="3089244" cy="276999"/>
           </a:xfrm>
           <a:prstGeom prst="rect">
             <a:avLst/>
@@ -4976,8 +4964,12 @@
           <a:lstStyle/>
           <a:p>
             <a:r>
+              <a:rPr lang="en-US" sz="1200" dirty="0" smtClean="0"/>
+              <a:t>Use </a:t>
+            </a:r>
+            <a:r>
               <a:rPr lang="en-US" sz="1200" dirty="0"/>
-              <a:t>19) Use template methods for repeated try-catch</a:t>
+              <a:t>template methods for repeated try-catch</a:t>
             </a:r>
           </a:p>
         </p:txBody>
@@ -5037,15 +5029,7 @@
             </a:r>
             <a:r>
               <a:rPr lang="en-US" sz="1200" dirty="0" smtClean="0"/>
-              <a:t>method[</a:t>
-            </a:r>
-            <a:r>
-              <a:rPr lang="en-US" sz="1200" dirty="0" smtClean="0"/>
-              <a:t>closeConnection</a:t>
-            </a:r>
-            <a:r>
-              <a:rPr lang="en-US" sz="1200" dirty="0" smtClean="0"/>
-              <a:t> method] </a:t>
+              <a:t>method[closeConnection method] </a:t>
             </a:r>
             <a:r>
               <a:rPr lang="en-US" sz="1200" dirty="0"/>
@@ -5057,15 +5041,7 @@
             </a:r>
             <a:r>
               <a:rPr lang="en-US" sz="1200" dirty="0"/>
-              <a:t>[</a:t>
-            </a:r>
-            <a:r>
-              <a:rPr lang="en-US" sz="1200" dirty="0"/>
-              <a:t>closeConnection</a:t>
-            </a:r>
-            <a:r>
-              <a:rPr lang="en-US" sz="1200" dirty="0"/>
-              <a:t> method]</a:t>
+              <a:t>[closeConnection method]</a:t>
             </a:r>
             <a:r>
               <a:rPr lang="en-US" sz="1200" dirty="0" smtClean="0"/>
@@ -5120,13 +5096,8 @@
           <a:p>
             <a:r>
               <a:rPr lang="en-US" sz="1200" dirty="0"/>
-              <a:t>class </a:t>
-            </a:r>
-            <a:r>
-              <a:rPr lang="en-US" sz="1200" dirty="0"/>
-              <a:t>DBUtil</a:t>
-            </a:r>
-            <a:endParaRPr lang="en-US" sz="1200" dirty="0"/>
+              <a:t>class DBUtil</a:t>
+            </a:r>
           </a:p>
           <a:p>
             <a:r>
@@ -5137,15 +5108,7 @@
           <a:p>
             <a:r>
               <a:rPr lang="en-US" sz="1200" dirty="0"/>
-              <a:t>    public static void </a:t>
-            </a:r>
-            <a:r>
-              <a:rPr lang="en-US" sz="1200" dirty="0"/>
-              <a:t>closeConnection</a:t>
-            </a:r>
-            <a:r>
-              <a:rPr lang="en-US" sz="1200" dirty="0"/>
-              <a:t>(Connection conn)</a:t>
+              <a:t>    public static void closeConnection(Connection conn)</a:t>
             </a:r>
           </a:p>
           <a:p>
@@ -5169,15 +5132,7 @@
           <a:p>
             <a:r>
               <a:rPr lang="en-US" sz="1200" dirty="0"/>
-              <a:t>            </a:t>
-            </a:r>
-            <a:r>
-              <a:rPr lang="en-US" sz="1200" dirty="0"/>
-              <a:t>conn.close</a:t>
-            </a:r>
-            <a:r>
-              <a:rPr lang="en-US" sz="1200" dirty="0"/>
-              <a:t>();</a:t>
+              <a:t>            conn.close();</a:t>
             </a:r>
           </a:p>
           <a:p>
@@ -5443,7 +5398,7 @@
         <p:spPr>
           <a:xfrm>
             <a:off x="2625942" y="597748"/>
-            <a:ext cx="3815916" cy="276999"/>
+            <a:ext cx="3655616" cy="276999"/>
           </a:xfrm>
           <a:prstGeom prst="rect">
             <a:avLst/>
@@ -5470,8 +5425,12 @@
           <a:lstStyle/>
           <a:p>
             <a:r>
+              <a:rPr lang="en-US" sz="1200" dirty="0" smtClean="0"/>
+              <a:t>Document </a:t>
+            </a:r>
+            <a:r>
               <a:rPr lang="en-US" sz="1200" dirty="0"/>
-              <a:t>20) Document all exceptions in your application in javadoc</a:t>
+              <a:t>all exceptions in your application in javadoc</a:t>
             </a:r>
           </a:p>
         </p:txBody>
@@ -5516,7 +5475,6 @@
               <a:rPr lang="en-US" sz="1200" dirty="0"/>
               <a:t>Make it a practice to javadoc all exceptions which a piece of code may throw at runtime. Also try to include possible course of action, user should follow in case these exception occur.</a:t>
             </a:r>
-            <a:endParaRPr lang="en-US" sz="1200" dirty="0"/>
           </a:p>
         </p:txBody>
       </p:sp>
